--- a/week14_regression.pptx
+++ b/week14_regression.pptx
@@ -319,7 +319,7 @@
               <a:pPr>
                 <a:defRPr/>
               </a:pPr>
-              <a:t>2021/1/19</a:t>
+              <a:t>2022/7/4</a:t>
             </a:fld>
             <a:endParaRPr lang="ja-JP" altLang="en-US"/>
           </a:p>
@@ -7358,7 +7358,7 @@
               <a:pPr>
                 <a:defRPr/>
               </a:pPr>
-              <a:t>2021/1/19</a:t>
+              <a:t>2022/7/4</a:t>
             </a:fld>
             <a:endParaRPr lang="ja-JP" altLang="en-US"/>
           </a:p>
@@ -7580,7 +7580,7 @@
               <a:pPr>
                 <a:defRPr/>
               </a:pPr>
-              <a:t>2021/1/19</a:t>
+              <a:t>2022/7/4</a:t>
             </a:fld>
             <a:endParaRPr lang="ja-JP" altLang="en-US"/>
           </a:p>
@@ -7812,7 +7812,7 @@
               <a:pPr>
                 <a:defRPr/>
               </a:pPr>
-              <a:t>2021/1/19</a:t>
+              <a:t>2022/7/4</a:t>
             </a:fld>
             <a:endParaRPr lang="ja-JP" altLang="en-US"/>
           </a:p>
@@ -8034,7 +8034,7 @@
               <a:pPr>
                 <a:defRPr/>
               </a:pPr>
-              <a:t>2021/1/19</a:t>
+              <a:t>2022/7/4</a:t>
             </a:fld>
             <a:endParaRPr lang="ja-JP" altLang="en-US"/>
           </a:p>
@@ -8301,7 +8301,7 @@
               <a:pPr>
                 <a:defRPr/>
               </a:pPr>
-              <a:t>2021/1/19</a:t>
+              <a:t>2022/7/4</a:t>
             </a:fld>
             <a:endParaRPr lang="ja-JP" altLang="en-US"/>
           </a:p>
@@ -8672,7 +8672,7 @@
               <a:pPr>
                 <a:defRPr/>
               </a:pPr>
-              <a:t>2021/1/19</a:t>
+              <a:t>2022/7/4</a:t>
             </a:fld>
             <a:endParaRPr lang="ja-JP" altLang="en-US"/>
           </a:p>
@@ -9177,7 +9177,7 @@
               <a:pPr>
                 <a:defRPr/>
               </a:pPr>
-              <a:t>2021/1/19</a:t>
+              <a:t>2022/7/4</a:t>
             </a:fld>
             <a:endParaRPr lang="ja-JP" altLang="en-US"/>
           </a:p>
@@ -9316,7 +9316,7 @@
               <a:pPr>
                 <a:defRPr/>
               </a:pPr>
-              <a:t>2021/1/19</a:t>
+              <a:t>2022/7/4</a:t>
             </a:fld>
             <a:endParaRPr lang="ja-JP" altLang="en-US"/>
           </a:p>
@@ -9433,7 +9433,7 @@
               <a:pPr>
                 <a:defRPr/>
               </a:pPr>
-              <a:t>2021/1/19</a:t>
+              <a:t>2022/7/4</a:t>
             </a:fld>
             <a:endParaRPr lang="ja-JP" altLang="en-US"/>
           </a:p>
@@ -9762,7 +9762,7 @@
               <a:pPr>
                 <a:defRPr/>
               </a:pPr>
-              <a:t>2021/1/19</a:t>
+              <a:t>2022/7/4</a:t>
             </a:fld>
             <a:endParaRPr lang="ja-JP" altLang="en-US"/>
           </a:p>
@@ -10039,7 +10039,7 @@
               <a:pPr>
                 <a:defRPr/>
               </a:pPr>
-              <a:t>2021/1/19</a:t>
+              <a:t>2022/7/4</a:t>
             </a:fld>
             <a:endParaRPr lang="ja-JP" altLang="en-US"/>
           </a:p>
@@ -10359,7 +10359,7 @@
               <a:pPr>
                 <a:defRPr/>
               </a:pPr>
-              <a:t>2021/1/19</a:t>
+              <a:t>2022/7/4</a:t>
             </a:fld>
             <a:endParaRPr lang="ja-JP" altLang="en-US"/>
           </a:p>
@@ -11117,7 +11117,7 @@
                 <a:ea typeface="メイリオ" panose="020B0604030504040204" pitchFamily="34" charset="-128"/>
                 <a:cs typeface="メイリオ" panose="020B0604030504040204" pitchFamily="34" charset="-128"/>
               </a:rPr>
-              <a:t>2021/1/20</a:t>
+              <a:t>2022/7/11</a:t>
             </a:r>
             <a:r>
               <a:rPr lang="ja-JP" altLang="en-US" sz="2400" dirty="0">
@@ -11133,7 +11133,7 @@
                 <a:ea typeface="メイリオ" panose="020B0604030504040204" pitchFamily="34" charset="-128"/>
                 <a:cs typeface="メイリオ" panose="020B0604030504040204" pitchFamily="34" charset="-128"/>
               </a:rPr>
-              <a:t>5</a:t>
+              <a:t>4</a:t>
             </a:r>
             <a:r>
               <a:rPr lang="ja-JP" altLang="en-US" sz="2400" dirty="0">
@@ -11172,8 +11172,8 @@
         </p:nvSpPr>
         <p:spPr bwMode="auto">
           <a:xfrm>
-            <a:off x="1547664" y="6093296"/>
-            <a:ext cx="7486600" cy="476672"/>
+            <a:off x="3491880" y="6093296"/>
+            <a:ext cx="5542384" cy="476672"/>
           </a:xfrm>
           <a:prstGeom prst="rect">
             <a:avLst/>
@@ -11387,12 +11387,11 @@
               <a:defRPr/>
             </a:pPr>
             <a:r>
-              <a:rPr lang="en-US" altLang="ja-JP" sz="1800">
+              <a:rPr lang="en-US" altLang="ja-JP" sz="1800" dirty="0">
                 <a:latin typeface="メイリオ" panose="020B0604030504040204" pitchFamily="50" charset="-128"/>
                 <a:ea typeface="メイリオ" panose="020B0604030504040204" pitchFamily="50" charset="-128"/>
-                <a:hlinkClick r:id="rId3"/>
-              </a:rPr>
-              <a:t>Contents: https://github.com/MakotoASAOKA/IES2019_Week15</a:t>
+              </a:rPr>
+              <a:t>https://github.com/RCOSDP/IES2022_Week14</a:t>
             </a:r>
             <a:endParaRPr lang="ja-JP" altLang="en-US" sz="1800" dirty="0">
               <a:latin typeface="メイリオ" pitchFamily="50" charset="-128"/>
